--- a/figure-labelling-fig.pptx
+++ b/figure-labelling-fig.pptx
@@ -6,6 +6,7 @@
   </p:sldMasterIdLst>
   <p:sldIdLst>
     <p:sldId id="256" r:id="rId2"/>
+    <p:sldId id="257" r:id="rId3"/>
   </p:sldIdLst>
   <p:sldSz cx="12192000" cy="6858000"/>
   <p:notesSz cx="6858000" cy="9144000"/>
@@ -104,6 +105,11 @@
       </a:defRPr>
     </a:lvl9pPr>
   </p:defaultTextStyle>
+  <p:extLst>
+    <p:ext uri="{EFAFB233-063F-42B5-8137-9DF3F51BA10A}">
+      <p15:sldGuideLst xmlns:p15="http://schemas.microsoft.com/office/powerpoint/2012/main"/>
+    </p:ext>
+  </p:extLst>
 </p:presentation>
 </file>
 
@@ -256,7 +262,7 @@
           <a:p>
             <a:fld id="{5A3E072A-AAA9-401E-BC62-6172E98A946B}" type="datetimeFigureOut">
               <a:rPr lang="da-DK" smtClean="0"/>
-              <a:t>01-04-2024</a:t>
+              <a:t>04-05-2024</a:t>
             </a:fld>
             <a:endParaRPr lang="da-DK"/>
           </a:p>
@@ -456,7 +462,7 @@
           <a:p>
             <a:fld id="{5A3E072A-AAA9-401E-BC62-6172E98A946B}" type="datetimeFigureOut">
               <a:rPr lang="da-DK" smtClean="0"/>
-              <a:t>01-04-2024</a:t>
+              <a:t>04-05-2024</a:t>
             </a:fld>
             <a:endParaRPr lang="da-DK"/>
           </a:p>
@@ -666,7 +672,7 @@
           <a:p>
             <a:fld id="{5A3E072A-AAA9-401E-BC62-6172E98A946B}" type="datetimeFigureOut">
               <a:rPr lang="da-DK" smtClean="0"/>
-              <a:t>01-04-2024</a:t>
+              <a:t>04-05-2024</a:t>
             </a:fld>
             <a:endParaRPr lang="da-DK"/>
           </a:p>
@@ -866,7 +872,7 @@
           <a:p>
             <a:fld id="{5A3E072A-AAA9-401E-BC62-6172E98A946B}" type="datetimeFigureOut">
               <a:rPr lang="da-DK" smtClean="0"/>
-              <a:t>01-04-2024</a:t>
+              <a:t>04-05-2024</a:t>
             </a:fld>
             <a:endParaRPr lang="da-DK"/>
           </a:p>
@@ -1142,7 +1148,7 @@
           <a:p>
             <a:fld id="{5A3E072A-AAA9-401E-BC62-6172E98A946B}" type="datetimeFigureOut">
               <a:rPr lang="da-DK" smtClean="0"/>
-              <a:t>01-04-2024</a:t>
+              <a:t>04-05-2024</a:t>
             </a:fld>
             <a:endParaRPr lang="da-DK"/>
           </a:p>
@@ -1410,7 +1416,7 @@
           <a:p>
             <a:fld id="{5A3E072A-AAA9-401E-BC62-6172E98A946B}" type="datetimeFigureOut">
               <a:rPr lang="da-DK" smtClean="0"/>
-              <a:t>01-04-2024</a:t>
+              <a:t>04-05-2024</a:t>
             </a:fld>
             <a:endParaRPr lang="da-DK"/>
           </a:p>
@@ -1825,7 +1831,7 @@
           <a:p>
             <a:fld id="{5A3E072A-AAA9-401E-BC62-6172E98A946B}" type="datetimeFigureOut">
               <a:rPr lang="da-DK" smtClean="0"/>
-              <a:t>01-04-2024</a:t>
+              <a:t>04-05-2024</a:t>
             </a:fld>
             <a:endParaRPr lang="da-DK"/>
           </a:p>
@@ -1967,7 +1973,7 @@
           <a:p>
             <a:fld id="{5A3E072A-AAA9-401E-BC62-6172E98A946B}" type="datetimeFigureOut">
               <a:rPr lang="da-DK" smtClean="0"/>
-              <a:t>01-04-2024</a:t>
+              <a:t>04-05-2024</a:t>
             </a:fld>
             <a:endParaRPr lang="da-DK"/>
           </a:p>
@@ -2080,7 +2086,7 @@
           <a:p>
             <a:fld id="{5A3E072A-AAA9-401E-BC62-6172E98A946B}" type="datetimeFigureOut">
               <a:rPr lang="da-DK" smtClean="0"/>
-              <a:t>01-04-2024</a:t>
+              <a:t>04-05-2024</a:t>
             </a:fld>
             <a:endParaRPr lang="da-DK"/>
           </a:p>
@@ -2393,7 +2399,7 @@
           <a:p>
             <a:fld id="{5A3E072A-AAA9-401E-BC62-6172E98A946B}" type="datetimeFigureOut">
               <a:rPr lang="da-DK" smtClean="0"/>
-              <a:t>01-04-2024</a:t>
+              <a:t>04-05-2024</a:t>
             </a:fld>
             <a:endParaRPr lang="da-DK"/>
           </a:p>
@@ -2682,7 +2688,7 @@
           <a:p>
             <a:fld id="{5A3E072A-AAA9-401E-BC62-6172E98A946B}" type="datetimeFigureOut">
               <a:rPr lang="da-DK" smtClean="0"/>
-              <a:t>01-04-2024</a:t>
+              <a:t>04-05-2024</a:t>
             </a:fld>
             <a:endParaRPr lang="da-DK"/>
           </a:p>
@@ -2925,7 +2931,7 @@
           <a:p>
             <a:fld id="{5A3E072A-AAA9-401E-BC62-6172E98A946B}" type="datetimeFigureOut">
               <a:rPr lang="da-DK" smtClean="0"/>
-              <a:t>01-04-2024</a:t>
+              <a:t>04-05-2024</a:t>
             </a:fld>
             <a:endParaRPr lang="da-DK"/>
           </a:p>
@@ -3503,6 +3509,11 @@
             <a:avLst/>
           </a:prstGeom>
           <a:ln>
+            <a:solidFill>
+              <a:schemeClr val="bg1">
+                <a:lumMod val="65000"/>
+              </a:schemeClr>
+            </a:solidFill>
             <a:tailEnd type="triangle"/>
           </a:ln>
         </p:spPr>
@@ -3544,6 +3555,11 @@
             <a:avLst/>
           </a:prstGeom>
           <a:ln>
+            <a:solidFill>
+              <a:schemeClr val="bg1">
+                <a:lumMod val="65000"/>
+              </a:schemeClr>
+            </a:solidFill>
             <a:tailEnd type="triangle"/>
           </a:ln>
         </p:spPr>
@@ -3582,6 +3598,9 @@
           <a:prstGeom prst="rect">
             <a:avLst/>
           </a:prstGeom>
+          <a:solidFill>
+            <a:srgbClr val="FFC000"/>
+          </a:solidFill>
         </p:spPr>
         <p:style>
           <a:lnRef idx="2">
@@ -3628,6 +3647,9 @@
           <a:prstGeom prst="rect">
             <a:avLst/>
           </a:prstGeom>
+          <a:solidFill>
+            <a:srgbClr val="FFC000"/>
+          </a:solidFill>
         </p:spPr>
         <p:style>
           <a:lnRef idx="2">
@@ -3674,6 +3696,9 @@
           <a:prstGeom prst="rect">
             <a:avLst/>
           </a:prstGeom>
+          <a:solidFill>
+            <a:schemeClr val="tx1"/>
+          </a:solidFill>
         </p:spPr>
         <p:style>
           <a:lnRef idx="2">
@@ -3723,6 +3748,11 @@
             <a:avLst/>
           </a:prstGeom>
           <a:ln>
+            <a:solidFill>
+              <a:schemeClr val="bg1">
+                <a:lumMod val="65000"/>
+              </a:schemeClr>
+            </a:solidFill>
             <a:tailEnd type="triangle"/>
           </a:ln>
         </p:spPr>
@@ -3764,6 +3794,11 @@
             <a:avLst/>
           </a:prstGeom>
           <a:ln>
+            <a:solidFill>
+              <a:schemeClr val="bg1">
+                <a:lumMod val="65000"/>
+              </a:schemeClr>
+            </a:solidFill>
             <a:tailEnd type="triangle"/>
           </a:ln>
         </p:spPr>
@@ -3802,6 +3837,9 @@
           <a:prstGeom prst="rect">
             <a:avLst/>
           </a:prstGeom>
+          <a:solidFill>
+            <a:schemeClr val="tx1"/>
+          </a:solidFill>
         </p:spPr>
         <p:style>
           <a:lnRef idx="2">
@@ -3848,6 +3886,9 @@
           <a:prstGeom prst="rect">
             <a:avLst/>
           </a:prstGeom>
+          <a:solidFill>
+            <a:srgbClr val="FFC000"/>
+          </a:solidFill>
         </p:spPr>
         <p:style>
           <a:lnRef idx="2">
@@ -3894,6 +3935,9 @@
           <a:prstGeom prst="rect">
             <a:avLst/>
           </a:prstGeom>
+          <a:solidFill>
+            <a:srgbClr val="FFC000"/>
+          </a:solidFill>
         </p:spPr>
         <p:style>
           <a:lnRef idx="2">
@@ -3943,6 +3987,11 @@
             <a:avLst/>
           </a:prstGeom>
           <a:ln>
+            <a:solidFill>
+              <a:schemeClr val="bg1">
+                <a:lumMod val="65000"/>
+              </a:schemeClr>
+            </a:solidFill>
             <a:tailEnd type="triangle"/>
           </a:ln>
         </p:spPr>
@@ -3984,6 +4033,11 @@
             <a:avLst/>
           </a:prstGeom>
           <a:ln>
+            <a:solidFill>
+              <a:schemeClr val="bg1">
+                <a:lumMod val="65000"/>
+              </a:schemeClr>
+            </a:solidFill>
             <a:tailEnd type="triangle"/>
           </a:ln>
         </p:spPr>
@@ -4016,7 +4070,7 @@
         </p:nvSpPr>
         <p:spPr>
           <a:xfrm>
-            <a:off x="1634982" y="5374627"/>
+            <a:off x="1704997" y="2076271"/>
             <a:ext cx="2430064" cy="646331"/>
           </a:xfrm>
           <a:prstGeom prst="rect">
@@ -4032,7 +4086,7 @@
           <a:p>
             <a:r>
               <a:rPr lang="en-US" dirty="0"/>
-              <a:t>Weed suppression by various methods</a:t>
+              <a:t>Weed biomass response to </a:t>
             </a:r>
             <a:endParaRPr lang="da-DK" dirty="0"/>
           </a:p>
@@ -4052,8 +4106,8 @@
         </p:nvSpPr>
         <p:spPr>
           <a:xfrm>
-            <a:off x="4656072" y="5383239"/>
-            <a:ext cx="2430064" cy="646331"/>
+            <a:off x="4758663" y="2162895"/>
+            <a:ext cx="2621845" cy="646331"/>
           </a:xfrm>
           <a:prstGeom prst="rect">
             <a:avLst/>
@@ -4068,7 +4122,7 @@
           <a:p>
             <a:r>
               <a:rPr lang="en-US" dirty="0"/>
-              <a:t>Cover cropping suppresses weeds</a:t>
+              <a:t>Cover cropping reduces weed biomass</a:t>
             </a:r>
             <a:endParaRPr lang="da-DK" dirty="0"/>
           </a:p>
@@ -4088,8 +4142,8 @@
         </p:nvSpPr>
         <p:spPr>
           <a:xfrm>
-            <a:off x="7826771" y="5383239"/>
-            <a:ext cx="2430064" cy="1477328"/>
+            <a:off x="7792122" y="1885896"/>
+            <a:ext cx="3074449" cy="923330"/>
           </a:xfrm>
           <a:prstGeom prst="rect">
             <a:avLst/>
@@ -4104,9 +4158,594 @@
           <a:p>
             <a:r>
               <a:rPr lang="en-US" dirty="0"/>
-              <a:t>Cover crops are less effective at weed suppression compared to herbicides</a:t>
+              <a:t>Herbicides are more effective than cover crops in reducing weed biomass</a:t>
             </a:r>
             <a:endParaRPr lang="da-DK" dirty="0"/>
+          </a:p>
+        </p:txBody>
+      </p:sp>
+      <p:sp>
+        <p:nvSpPr>
+          <p:cNvPr id="2" name="TextBox 1">
+            <a:extLst>
+              <a:ext uri="{FF2B5EF4-FFF2-40B4-BE49-F238E27FC236}">
+                <a16:creationId xmlns:a16="http://schemas.microsoft.com/office/drawing/2014/main" id="{2477FC6C-154D-6B80-385E-E79C0F3014EF}"/>
+              </a:ext>
+            </a:extLst>
+          </p:cNvPr>
+          <p:cNvSpPr txBox="1"/>
+          <p:nvPr/>
+        </p:nvSpPr>
+        <p:spPr>
+          <a:xfrm rot="16200000">
+            <a:off x="651779" y="3778146"/>
+            <a:ext cx="1825743" cy="369332"/>
+          </a:xfrm>
+          <a:prstGeom prst="rect">
+            <a:avLst/>
+          </a:prstGeom>
+          <a:noFill/>
+        </p:spPr>
+        <p:txBody>
+          <a:bodyPr wrap="square" rtlCol="0">
+            <a:spAutoFit/>
+          </a:bodyPr>
+          <a:lstStyle/>
+          <a:p>
+            <a:r>
+              <a:rPr lang="en-US" dirty="0">
+                <a:solidFill>
+                  <a:schemeClr val="bg1">
+                    <a:lumMod val="65000"/>
+                  </a:schemeClr>
+                </a:solidFill>
+              </a:rPr>
+              <a:t>Weed biomass</a:t>
+            </a:r>
+            <a:endParaRPr lang="da-DK" dirty="0">
+              <a:solidFill>
+                <a:schemeClr val="bg1">
+                  <a:lumMod val="65000"/>
+                </a:schemeClr>
+              </a:solidFill>
+            </a:endParaRPr>
+          </a:p>
+        </p:txBody>
+      </p:sp>
+      <p:sp>
+        <p:nvSpPr>
+          <p:cNvPr id="3" name="TextBox 2">
+            <a:extLst>
+              <a:ext uri="{FF2B5EF4-FFF2-40B4-BE49-F238E27FC236}">
+                <a16:creationId xmlns:a16="http://schemas.microsoft.com/office/drawing/2014/main" id="{2A7E4C11-9C94-226D-97BE-FB986A87F452}"/>
+              </a:ext>
+            </a:extLst>
+          </p:cNvPr>
+          <p:cNvSpPr txBox="1"/>
+          <p:nvPr/>
+        </p:nvSpPr>
+        <p:spPr>
+          <a:xfrm rot="19260925">
+            <a:off x="728004" y="5639327"/>
+            <a:ext cx="1825743" cy="369332"/>
+          </a:xfrm>
+          <a:prstGeom prst="rect">
+            <a:avLst/>
+          </a:prstGeom>
+          <a:noFill/>
+        </p:spPr>
+        <p:txBody>
+          <a:bodyPr wrap="square" rtlCol="0">
+            <a:spAutoFit/>
+          </a:bodyPr>
+          <a:lstStyle/>
+          <a:p>
+            <a:pPr algn="r"/>
+            <a:r>
+              <a:rPr lang="en-US" dirty="0">
+                <a:solidFill>
+                  <a:schemeClr val="bg1">
+                    <a:lumMod val="65000"/>
+                  </a:schemeClr>
+                </a:solidFill>
+              </a:rPr>
+              <a:t>No weed control</a:t>
+            </a:r>
+            <a:endParaRPr lang="da-DK" dirty="0">
+              <a:solidFill>
+                <a:schemeClr val="bg1">
+                  <a:lumMod val="65000"/>
+                </a:schemeClr>
+              </a:solidFill>
+            </a:endParaRPr>
+          </a:p>
+        </p:txBody>
+      </p:sp>
+      <p:sp>
+        <p:nvSpPr>
+          <p:cNvPr id="6" name="TextBox 5">
+            <a:extLst>
+              <a:ext uri="{FF2B5EF4-FFF2-40B4-BE49-F238E27FC236}">
+                <a16:creationId xmlns:a16="http://schemas.microsoft.com/office/drawing/2014/main" id="{41FE682C-D74F-396B-F15E-13DACBDC76D7}"/>
+              </a:ext>
+            </a:extLst>
+          </p:cNvPr>
+          <p:cNvSpPr txBox="1"/>
+          <p:nvPr/>
+        </p:nvSpPr>
+        <p:spPr>
+          <a:xfrm rot="19260925">
+            <a:off x="1344823" y="5639326"/>
+            <a:ext cx="1825743" cy="369332"/>
+          </a:xfrm>
+          <a:prstGeom prst="rect">
+            <a:avLst/>
+          </a:prstGeom>
+          <a:noFill/>
+        </p:spPr>
+        <p:txBody>
+          <a:bodyPr wrap="square" rtlCol="0">
+            <a:spAutoFit/>
+          </a:bodyPr>
+          <a:lstStyle/>
+          <a:p>
+            <a:pPr algn="r"/>
+            <a:r>
+              <a:rPr lang="en-US" dirty="0">
+                <a:solidFill>
+                  <a:schemeClr val="bg1">
+                    <a:lumMod val="65000"/>
+                  </a:schemeClr>
+                </a:solidFill>
+              </a:rPr>
+              <a:t>Cover cropping</a:t>
+            </a:r>
+            <a:endParaRPr lang="da-DK" dirty="0">
+              <a:solidFill>
+                <a:schemeClr val="bg1">
+                  <a:lumMod val="65000"/>
+                </a:schemeClr>
+              </a:solidFill>
+            </a:endParaRPr>
+          </a:p>
+        </p:txBody>
+      </p:sp>
+      <p:sp>
+        <p:nvSpPr>
+          <p:cNvPr id="8" name="TextBox 7">
+            <a:extLst>
+              <a:ext uri="{FF2B5EF4-FFF2-40B4-BE49-F238E27FC236}">
+                <a16:creationId xmlns:a16="http://schemas.microsoft.com/office/drawing/2014/main" id="{B2E4DA41-2B37-2B6F-E66A-FD8D712BAA27}"/>
+              </a:ext>
+            </a:extLst>
+          </p:cNvPr>
+          <p:cNvSpPr txBox="1"/>
+          <p:nvPr/>
+        </p:nvSpPr>
+        <p:spPr>
+          <a:xfrm rot="19260925">
+            <a:off x="1975560" y="5595916"/>
+            <a:ext cx="1825743" cy="369332"/>
+          </a:xfrm>
+          <a:prstGeom prst="rect">
+            <a:avLst/>
+          </a:prstGeom>
+          <a:noFill/>
+        </p:spPr>
+        <p:txBody>
+          <a:bodyPr wrap="square" rtlCol="0">
+            <a:spAutoFit/>
+          </a:bodyPr>
+          <a:lstStyle/>
+          <a:p>
+            <a:pPr algn="r"/>
+            <a:r>
+              <a:rPr lang="en-US" dirty="0">
+                <a:solidFill>
+                  <a:schemeClr val="bg1">
+                    <a:lumMod val="65000"/>
+                  </a:schemeClr>
+                </a:solidFill>
+              </a:rPr>
+              <a:t>Herbicide</a:t>
+            </a:r>
+            <a:endParaRPr lang="da-DK" dirty="0">
+              <a:solidFill>
+                <a:schemeClr val="bg1">
+                  <a:lumMod val="65000"/>
+                </a:schemeClr>
+              </a:solidFill>
+            </a:endParaRPr>
+          </a:p>
+        </p:txBody>
+      </p:sp>
+      <p:sp>
+        <p:nvSpPr>
+          <p:cNvPr id="11" name="TextBox 10">
+            <a:extLst>
+              <a:ext uri="{FF2B5EF4-FFF2-40B4-BE49-F238E27FC236}">
+                <a16:creationId xmlns:a16="http://schemas.microsoft.com/office/drawing/2014/main" id="{1D8C02A3-B2FD-F5D7-2647-C6AFBC72D4EE}"/>
+              </a:ext>
+            </a:extLst>
+          </p:cNvPr>
+          <p:cNvSpPr txBox="1"/>
+          <p:nvPr/>
+        </p:nvSpPr>
+        <p:spPr>
+          <a:xfrm rot="19260925">
+            <a:off x="3675926" y="5704509"/>
+            <a:ext cx="1825743" cy="369332"/>
+          </a:xfrm>
+          <a:prstGeom prst="rect">
+            <a:avLst/>
+          </a:prstGeom>
+          <a:noFill/>
+        </p:spPr>
+        <p:txBody>
+          <a:bodyPr wrap="square" rtlCol="0">
+            <a:spAutoFit/>
+          </a:bodyPr>
+          <a:lstStyle/>
+          <a:p>
+            <a:pPr algn="r"/>
+            <a:r>
+              <a:rPr lang="en-US" dirty="0">
+                <a:solidFill>
+                  <a:schemeClr val="bg1">
+                    <a:lumMod val="65000"/>
+                  </a:schemeClr>
+                </a:solidFill>
+              </a:rPr>
+              <a:t>No weed control</a:t>
+            </a:r>
+            <a:endParaRPr lang="da-DK" dirty="0">
+              <a:solidFill>
+                <a:schemeClr val="bg1">
+                  <a:lumMod val="65000"/>
+                </a:schemeClr>
+              </a:solidFill>
+            </a:endParaRPr>
+          </a:p>
+        </p:txBody>
+      </p:sp>
+      <p:sp>
+        <p:nvSpPr>
+          <p:cNvPr id="12" name="TextBox 11">
+            <a:extLst>
+              <a:ext uri="{FF2B5EF4-FFF2-40B4-BE49-F238E27FC236}">
+                <a16:creationId xmlns:a16="http://schemas.microsoft.com/office/drawing/2014/main" id="{6FC20901-34AA-C492-FC2D-AAE2FD6D81D4}"/>
+              </a:ext>
+            </a:extLst>
+          </p:cNvPr>
+          <p:cNvSpPr txBox="1"/>
+          <p:nvPr/>
+        </p:nvSpPr>
+        <p:spPr>
+          <a:xfrm rot="19260925">
+            <a:off x="4292745" y="5704508"/>
+            <a:ext cx="1825743" cy="369332"/>
+          </a:xfrm>
+          <a:prstGeom prst="rect">
+            <a:avLst/>
+          </a:prstGeom>
+          <a:noFill/>
+        </p:spPr>
+        <p:txBody>
+          <a:bodyPr wrap="square" rtlCol="0">
+            <a:spAutoFit/>
+          </a:bodyPr>
+          <a:lstStyle/>
+          <a:p>
+            <a:pPr algn="r"/>
+            <a:r>
+              <a:rPr lang="en-US" dirty="0">
+                <a:solidFill>
+                  <a:schemeClr val="bg1">
+                    <a:lumMod val="65000"/>
+                  </a:schemeClr>
+                </a:solidFill>
+              </a:rPr>
+              <a:t>Cover cropping</a:t>
+            </a:r>
+            <a:endParaRPr lang="da-DK" dirty="0">
+              <a:solidFill>
+                <a:schemeClr val="bg1">
+                  <a:lumMod val="65000"/>
+                </a:schemeClr>
+              </a:solidFill>
+            </a:endParaRPr>
+          </a:p>
+        </p:txBody>
+      </p:sp>
+      <p:sp>
+        <p:nvSpPr>
+          <p:cNvPr id="13" name="TextBox 12">
+            <a:extLst>
+              <a:ext uri="{FF2B5EF4-FFF2-40B4-BE49-F238E27FC236}">
+                <a16:creationId xmlns:a16="http://schemas.microsoft.com/office/drawing/2014/main" id="{15B88840-F65B-F2B7-E8D7-7396C93B65CF}"/>
+              </a:ext>
+            </a:extLst>
+          </p:cNvPr>
+          <p:cNvSpPr txBox="1"/>
+          <p:nvPr/>
+        </p:nvSpPr>
+        <p:spPr>
+          <a:xfrm rot="19260925">
+            <a:off x="4923482" y="5661098"/>
+            <a:ext cx="1825743" cy="369332"/>
+          </a:xfrm>
+          <a:prstGeom prst="rect">
+            <a:avLst/>
+          </a:prstGeom>
+          <a:noFill/>
+        </p:spPr>
+        <p:txBody>
+          <a:bodyPr wrap="square" rtlCol="0">
+            <a:spAutoFit/>
+          </a:bodyPr>
+          <a:lstStyle/>
+          <a:p>
+            <a:pPr algn="r"/>
+            <a:r>
+              <a:rPr lang="en-US" dirty="0">
+                <a:solidFill>
+                  <a:schemeClr val="bg1">
+                    <a:lumMod val="65000"/>
+                  </a:schemeClr>
+                </a:solidFill>
+              </a:rPr>
+              <a:t>Herbicide</a:t>
+            </a:r>
+            <a:endParaRPr lang="da-DK" dirty="0">
+              <a:solidFill>
+                <a:schemeClr val="bg1">
+                  <a:lumMod val="65000"/>
+                </a:schemeClr>
+              </a:solidFill>
+            </a:endParaRPr>
+          </a:p>
+        </p:txBody>
+      </p:sp>
+      <p:sp>
+        <p:nvSpPr>
+          <p:cNvPr id="14" name="TextBox 13">
+            <a:extLst>
+              <a:ext uri="{FF2B5EF4-FFF2-40B4-BE49-F238E27FC236}">
+                <a16:creationId xmlns:a16="http://schemas.microsoft.com/office/drawing/2014/main" id="{FE5E2EB4-DFB9-7471-A87A-10631D1C75BB}"/>
+              </a:ext>
+            </a:extLst>
+          </p:cNvPr>
+          <p:cNvSpPr txBox="1"/>
+          <p:nvPr/>
+        </p:nvSpPr>
+        <p:spPr>
+          <a:xfrm rot="19260925">
+            <a:off x="6778351" y="5660965"/>
+            <a:ext cx="1825743" cy="369332"/>
+          </a:xfrm>
+          <a:prstGeom prst="rect">
+            <a:avLst/>
+          </a:prstGeom>
+          <a:noFill/>
+        </p:spPr>
+        <p:txBody>
+          <a:bodyPr wrap="square" rtlCol="0">
+            <a:spAutoFit/>
+          </a:bodyPr>
+          <a:lstStyle/>
+          <a:p>
+            <a:pPr algn="r"/>
+            <a:r>
+              <a:rPr lang="en-US" dirty="0">
+                <a:solidFill>
+                  <a:schemeClr val="bg1">
+                    <a:lumMod val="65000"/>
+                  </a:schemeClr>
+                </a:solidFill>
+              </a:rPr>
+              <a:t>No weed control</a:t>
+            </a:r>
+            <a:endParaRPr lang="da-DK" dirty="0">
+              <a:solidFill>
+                <a:schemeClr val="bg1">
+                  <a:lumMod val="65000"/>
+                </a:schemeClr>
+              </a:solidFill>
+            </a:endParaRPr>
+          </a:p>
+        </p:txBody>
+      </p:sp>
+      <p:sp>
+        <p:nvSpPr>
+          <p:cNvPr id="15" name="TextBox 14">
+            <a:extLst>
+              <a:ext uri="{FF2B5EF4-FFF2-40B4-BE49-F238E27FC236}">
+                <a16:creationId xmlns:a16="http://schemas.microsoft.com/office/drawing/2014/main" id="{EA1C9DEC-3325-B8A0-7E68-3DA0C23B0230}"/>
+              </a:ext>
+            </a:extLst>
+          </p:cNvPr>
+          <p:cNvSpPr txBox="1"/>
+          <p:nvPr/>
+        </p:nvSpPr>
+        <p:spPr>
+          <a:xfrm rot="19260925">
+            <a:off x="7395170" y="5660964"/>
+            <a:ext cx="1825743" cy="369332"/>
+          </a:xfrm>
+          <a:prstGeom prst="rect">
+            <a:avLst/>
+          </a:prstGeom>
+          <a:noFill/>
+        </p:spPr>
+        <p:txBody>
+          <a:bodyPr wrap="square" rtlCol="0">
+            <a:spAutoFit/>
+          </a:bodyPr>
+          <a:lstStyle/>
+          <a:p>
+            <a:pPr algn="r"/>
+            <a:r>
+              <a:rPr lang="en-US" dirty="0">
+                <a:solidFill>
+                  <a:schemeClr val="bg1">
+                    <a:lumMod val="65000"/>
+                  </a:schemeClr>
+                </a:solidFill>
+              </a:rPr>
+              <a:t>Cover cropping</a:t>
+            </a:r>
+            <a:endParaRPr lang="da-DK" dirty="0">
+              <a:solidFill>
+                <a:schemeClr val="bg1">
+                  <a:lumMod val="65000"/>
+                </a:schemeClr>
+              </a:solidFill>
+            </a:endParaRPr>
+          </a:p>
+        </p:txBody>
+      </p:sp>
+      <p:sp>
+        <p:nvSpPr>
+          <p:cNvPr id="16" name="TextBox 15">
+            <a:extLst>
+              <a:ext uri="{FF2B5EF4-FFF2-40B4-BE49-F238E27FC236}">
+                <a16:creationId xmlns:a16="http://schemas.microsoft.com/office/drawing/2014/main" id="{D5C66D62-6FEC-4B19-BCFA-133CFCD3A6C5}"/>
+              </a:ext>
+            </a:extLst>
+          </p:cNvPr>
+          <p:cNvSpPr txBox="1"/>
+          <p:nvPr/>
+        </p:nvSpPr>
+        <p:spPr>
+          <a:xfrm rot="19260925">
+            <a:off x="8025907" y="5617554"/>
+            <a:ext cx="1825743" cy="369332"/>
+          </a:xfrm>
+          <a:prstGeom prst="rect">
+            <a:avLst/>
+          </a:prstGeom>
+          <a:noFill/>
+        </p:spPr>
+        <p:txBody>
+          <a:bodyPr wrap="square" rtlCol="0">
+            <a:spAutoFit/>
+          </a:bodyPr>
+          <a:lstStyle/>
+          <a:p>
+            <a:pPr algn="r"/>
+            <a:r>
+              <a:rPr lang="en-US" dirty="0">
+                <a:solidFill>
+                  <a:schemeClr val="bg1">
+                    <a:lumMod val="65000"/>
+                  </a:schemeClr>
+                </a:solidFill>
+              </a:rPr>
+              <a:t>Herbicide</a:t>
+            </a:r>
+            <a:endParaRPr lang="da-DK" dirty="0">
+              <a:solidFill>
+                <a:schemeClr val="bg1">
+                  <a:lumMod val="65000"/>
+                </a:schemeClr>
+              </a:solidFill>
+            </a:endParaRPr>
+          </a:p>
+        </p:txBody>
+      </p:sp>
+      <p:sp>
+        <p:nvSpPr>
+          <p:cNvPr id="17" name="TextBox 16">
+            <a:extLst>
+              <a:ext uri="{FF2B5EF4-FFF2-40B4-BE49-F238E27FC236}">
+                <a16:creationId xmlns:a16="http://schemas.microsoft.com/office/drawing/2014/main" id="{68A583F7-9B67-1C03-3AFD-158620659CAB}"/>
+              </a:ext>
+            </a:extLst>
+          </p:cNvPr>
+          <p:cNvSpPr txBox="1"/>
+          <p:nvPr/>
+        </p:nvSpPr>
+        <p:spPr>
+          <a:xfrm rot="16200000">
+            <a:off x="3611897" y="3666542"/>
+            <a:ext cx="1825743" cy="369332"/>
+          </a:xfrm>
+          <a:prstGeom prst="rect">
+            <a:avLst/>
+          </a:prstGeom>
+          <a:noFill/>
+        </p:spPr>
+        <p:txBody>
+          <a:bodyPr wrap="square" rtlCol="0">
+            <a:spAutoFit/>
+          </a:bodyPr>
+          <a:lstStyle/>
+          <a:p>
+            <a:r>
+              <a:rPr lang="en-US" dirty="0">
+                <a:solidFill>
+                  <a:schemeClr val="bg1">
+                    <a:lumMod val="65000"/>
+                  </a:schemeClr>
+                </a:solidFill>
+              </a:rPr>
+              <a:t>Weed biomass</a:t>
+            </a:r>
+            <a:endParaRPr lang="da-DK" dirty="0">
+              <a:solidFill>
+                <a:schemeClr val="bg1">
+                  <a:lumMod val="65000"/>
+                </a:schemeClr>
+              </a:solidFill>
+            </a:endParaRPr>
+          </a:p>
+        </p:txBody>
+      </p:sp>
+      <p:sp>
+        <p:nvSpPr>
+          <p:cNvPr id="18" name="TextBox 17">
+            <a:extLst>
+              <a:ext uri="{FF2B5EF4-FFF2-40B4-BE49-F238E27FC236}">
+                <a16:creationId xmlns:a16="http://schemas.microsoft.com/office/drawing/2014/main" id="{168F09DB-E056-6969-FD3B-68DE3E0BE3E8}"/>
+              </a:ext>
+            </a:extLst>
+          </p:cNvPr>
+          <p:cNvSpPr txBox="1"/>
+          <p:nvPr/>
+        </p:nvSpPr>
+        <p:spPr>
+          <a:xfrm rot="16200000">
+            <a:off x="6639608" y="3571673"/>
+            <a:ext cx="1825743" cy="369332"/>
+          </a:xfrm>
+          <a:prstGeom prst="rect">
+            <a:avLst/>
+          </a:prstGeom>
+          <a:noFill/>
+        </p:spPr>
+        <p:txBody>
+          <a:bodyPr wrap="square" rtlCol="0">
+            <a:spAutoFit/>
+          </a:bodyPr>
+          <a:lstStyle/>
+          <a:p>
+            <a:r>
+              <a:rPr lang="en-US" dirty="0">
+                <a:solidFill>
+                  <a:schemeClr val="bg1">
+                    <a:lumMod val="65000"/>
+                  </a:schemeClr>
+                </a:solidFill>
+              </a:rPr>
+              <a:t>Weed biomass</a:t>
+            </a:r>
+            <a:endParaRPr lang="da-DK" dirty="0">
+              <a:solidFill>
+                <a:schemeClr val="bg1">
+                  <a:lumMod val="65000"/>
+                </a:schemeClr>
+              </a:solidFill>
+            </a:endParaRPr>
           </a:p>
         </p:txBody>
       </p:sp>
@@ -4114,6 +4753,1437 @@
     <p:extLst>
       <p:ext uri="{BB962C8B-B14F-4D97-AF65-F5344CB8AC3E}">
         <p14:creationId xmlns:p14="http://schemas.microsoft.com/office/powerpoint/2010/main" val="965469128"/>
+      </p:ext>
+    </p:extLst>
+  </p:cSld>
+  <p:clrMapOvr>
+    <a:masterClrMapping/>
+  </p:clrMapOvr>
+</p:sld>
+</file>
+
+<file path=ppt/slides/slide2.xml><?xml version="1.0" encoding="utf-8"?>
+<p:sld xmlns:a="http://schemas.openxmlformats.org/drawingml/2006/main" xmlns:r="http://schemas.openxmlformats.org/officeDocument/2006/relationships" xmlns:p="http://schemas.openxmlformats.org/presentationml/2006/main">
+  <p:cSld>
+    <p:spTree>
+      <p:nvGrpSpPr>
+        <p:cNvPr id="1" name=""/>
+        <p:cNvGrpSpPr/>
+        <p:nvPr/>
+      </p:nvGrpSpPr>
+      <p:grpSpPr>
+        <a:xfrm>
+          <a:off x="0" y="0"/>
+          <a:ext cx="0" cy="0"/>
+          <a:chOff x="0" y="0"/>
+          <a:chExt cx="0" cy="0"/>
+        </a:xfrm>
+      </p:grpSpPr>
+      <p:sp>
+        <p:nvSpPr>
+          <p:cNvPr id="4" name="Rectangle 3">
+            <a:extLst>
+              <a:ext uri="{FF2B5EF4-FFF2-40B4-BE49-F238E27FC236}">
+                <a16:creationId xmlns:a16="http://schemas.microsoft.com/office/drawing/2014/main" id="{D67217B3-0E29-707B-B2A9-953A5BB55E84}"/>
+              </a:ext>
+            </a:extLst>
+          </p:cNvPr>
+          <p:cNvSpPr/>
+          <p:nvPr/>
+        </p:nvSpPr>
+        <p:spPr>
+          <a:xfrm>
+            <a:off x="2134733" y="3258389"/>
+            <a:ext cx="270499" cy="1663234"/>
+          </a:xfrm>
+          <a:prstGeom prst="rect">
+            <a:avLst/>
+          </a:prstGeom>
+        </p:spPr>
+        <p:style>
+          <a:lnRef idx="2">
+            <a:schemeClr val="accent1">
+              <a:shade val="15000"/>
+            </a:schemeClr>
+          </a:lnRef>
+          <a:fillRef idx="1">
+            <a:schemeClr val="accent1"/>
+          </a:fillRef>
+          <a:effectRef idx="0">
+            <a:schemeClr val="accent1"/>
+          </a:effectRef>
+          <a:fontRef idx="minor">
+            <a:schemeClr val="lt1"/>
+          </a:fontRef>
+        </p:style>
+        <p:txBody>
+          <a:bodyPr rtlCol="0" anchor="ctr"/>
+          <a:lstStyle/>
+          <a:p>
+            <a:pPr algn="ctr"/>
+            <a:endParaRPr lang="da-DK"/>
+          </a:p>
+        </p:txBody>
+      </p:sp>
+      <p:sp>
+        <p:nvSpPr>
+          <p:cNvPr id="5" name="Rectangle 4">
+            <a:extLst>
+              <a:ext uri="{FF2B5EF4-FFF2-40B4-BE49-F238E27FC236}">
+                <a16:creationId xmlns:a16="http://schemas.microsoft.com/office/drawing/2014/main" id="{5ECD91ED-E5AE-3CC5-E2EF-09DFC021131B}"/>
+              </a:ext>
+            </a:extLst>
+          </p:cNvPr>
+          <p:cNvSpPr/>
+          <p:nvPr/>
+        </p:nvSpPr>
+        <p:spPr>
+          <a:xfrm>
+            <a:off x="2754194" y="3851208"/>
+            <a:ext cx="270499" cy="1070415"/>
+          </a:xfrm>
+          <a:prstGeom prst="rect">
+            <a:avLst/>
+          </a:prstGeom>
+        </p:spPr>
+        <p:style>
+          <a:lnRef idx="2">
+            <a:schemeClr val="accent1">
+              <a:shade val="15000"/>
+            </a:schemeClr>
+          </a:lnRef>
+          <a:fillRef idx="1">
+            <a:schemeClr val="accent1"/>
+          </a:fillRef>
+          <a:effectRef idx="0">
+            <a:schemeClr val="accent1"/>
+          </a:effectRef>
+          <a:fontRef idx="minor">
+            <a:schemeClr val="lt1"/>
+          </a:fontRef>
+        </p:style>
+        <p:txBody>
+          <a:bodyPr rtlCol="0" anchor="ctr"/>
+          <a:lstStyle/>
+          <a:p>
+            <a:pPr algn="ctr"/>
+            <a:endParaRPr lang="da-DK"/>
+          </a:p>
+        </p:txBody>
+      </p:sp>
+      <p:sp>
+        <p:nvSpPr>
+          <p:cNvPr id="7" name="Rectangle 6">
+            <a:extLst>
+              <a:ext uri="{FF2B5EF4-FFF2-40B4-BE49-F238E27FC236}">
+                <a16:creationId xmlns:a16="http://schemas.microsoft.com/office/drawing/2014/main" id="{C4028D4E-C1DA-10C2-5969-B17B6BC4E3E9}"/>
+              </a:ext>
+            </a:extLst>
+          </p:cNvPr>
+          <p:cNvSpPr/>
+          <p:nvPr/>
+        </p:nvSpPr>
+        <p:spPr>
+          <a:xfrm>
+            <a:off x="3373655" y="4634399"/>
+            <a:ext cx="270499" cy="287224"/>
+          </a:xfrm>
+          <a:prstGeom prst="rect">
+            <a:avLst/>
+          </a:prstGeom>
+        </p:spPr>
+        <p:style>
+          <a:lnRef idx="2">
+            <a:schemeClr val="accent1">
+              <a:shade val="15000"/>
+            </a:schemeClr>
+          </a:lnRef>
+          <a:fillRef idx="1">
+            <a:schemeClr val="accent1"/>
+          </a:fillRef>
+          <a:effectRef idx="0">
+            <a:schemeClr val="accent1"/>
+          </a:effectRef>
+          <a:fontRef idx="minor">
+            <a:schemeClr val="lt1"/>
+          </a:fontRef>
+        </p:style>
+        <p:txBody>
+          <a:bodyPr rtlCol="0" anchor="ctr"/>
+          <a:lstStyle/>
+          <a:p>
+            <a:pPr algn="ctr"/>
+            <a:endParaRPr lang="da-DK"/>
+          </a:p>
+        </p:txBody>
+      </p:sp>
+      <p:cxnSp>
+        <p:nvCxnSpPr>
+          <p:cNvPr id="9" name="Straight Arrow Connector 8">
+            <a:extLst>
+              <a:ext uri="{FF2B5EF4-FFF2-40B4-BE49-F238E27FC236}">
+                <a16:creationId xmlns:a16="http://schemas.microsoft.com/office/drawing/2014/main" id="{030667CC-DEEB-939F-A00B-BD81A98C2122}"/>
+              </a:ext>
+            </a:extLst>
+          </p:cNvPr>
+          <p:cNvCxnSpPr>
+            <a:cxnSpLocks/>
+          </p:cNvCxnSpPr>
+          <p:nvPr/>
+        </p:nvCxnSpPr>
+        <p:spPr>
+          <a:xfrm>
+            <a:off x="1775012" y="5148125"/>
+            <a:ext cx="2290035" cy="0"/>
+          </a:xfrm>
+          <a:prstGeom prst="straightConnector1">
+            <a:avLst/>
+          </a:prstGeom>
+          <a:ln>
+            <a:solidFill>
+              <a:schemeClr val="bg1">
+                <a:lumMod val="65000"/>
+              </a:schemeClr>
+            </a:solidFill>
+            <a:tailEnd type="triangle"/>
+          </a:ln>
+        </p:spPr>
+        <p:style>
+          <a:lnRef idx="2">
+            <a:schemeClr val="accent1"/>
+          </a:lnRef>
+          <a:fillRef idx="0">
+            <a:schemeClr val="accent1"/>
+          </a:fillRef>
+          <a:effectRef idx="1">
+            <a:schemeClr val="accent1"/>
+          </a:effectRef>
+          <a:fontRef idx="minor">
+            <a:schemeClr val="tx1"/>
+          </a:fontRef>
+        </p:style>
+      </p:cxnSp>
+      <p:cxnSp>
+        <p:nvCxnSpPr>
+          <p:cNvPr id="10" name="Straight Arrow Connector 9">
+            <a:extLst>
+              <a:ext uri="{FF2B5EF4-FFF2-40B4-BE49-F238E27FC236}">
+                <a16:creationId xmlns:a16="http://schemas.microsoft.com/office/drawing/2014/main" id="{FE0221F5-8562-6976-9B8F-AFB2625D297C}"/>
+              </a:ext>
+            </a:extLst>
+          </p:cNvPr>
+          <p:cNvCxnSpPr>
+            <a:cxnSpLocks/>
+          </p:cNvCxnSpPr>
+          <p:nvPr/>
+        </p:nvCxnSpPr>
+        <p:spPr>
+          <a:xfrm flipV="1">
+            <a:off x="1775012" y="2835853"/>
+            <a:ext cx="0" cy="2312273"/>
+          </a:xfrm>
+          <a:prstGeom prst="straightConnector1">
+            <a:avLst/>
+          </a:prstGeom>
+          <a:ln>
+            <a:solidFill>
+              <a:schemeClr val="bg1">
+                <a:lumMod val="65000"/>
+              </a:schemeClr>
+            </a:solidFill>
+            <a:tailEnd type="triangle"/>
+          </a:ln>
+        </p:spPr>
+        <p:style>
+          <a:lnRef idx="2">
+            <a:schemeClr val="accent1"/>
+          </a:lnRef>
+          <a:fillRef idx="0">
+            <a:schemeClr val="accent1"/>
+          </a:fillRef>
+          <a:effectRef idx="1">
+            <a:schemeClr val="accent1"/>
+          </a:effectRef>
+          <a:fontRef idx="minor">
+            <a:schemeClr val="tx1"/>
+          </a:fontRef>
+        </p:style>
+      </p:cxnSp>
+      <p:sp>
+        <p:nvSpPr>
+          <p:cNvPr id="21" name="Rectangle 20">
+            <a:extLst>
+              <a:ext uri="{FF2B5EF4-FFF2-40B4-BE49-F238E27FC236}">
+                <a16:creationId xmlns:a16="http://schemas.microsoft.com/office/drawing/2014/main" id="{ED1D04DB-DB90-8A4B-D0FE-B6CB8A8C88B1}"/>
+              </a:ext>
+            </a:extLst>
+          </p:cNvPr>
+          <p:cNvSpPr/>
+          <p:nvPr/>
+        </p:nvSpPr>
+        <p:spPr>
+          <a:xfrm>
+            <a:off x="5116394" y="3267000"/>
+            <a:ext cx="270499" cy="1663234"/>
+          </a:xfrm>
+          <a:prstGeom prst="rect">
+            <a:avLst/>
+          </a:prstGeom>
+          <a:solidFill>
+            <a:srgbClr val="FFC000"/>
+          </a:solidFill>
+        </p:spPr>
+        <p:style>
+          <a:lnRef idx="2">
+            <a:schemeClr val="accent1">
+              <a:shade val="15000"/>
+            </a:schemeClr>
+          </a:lnRef>
+          <a:fillRef idx="1">
+            <a:schemeClr val="accent1"/>
+          </a:fillRef>
+          <a:effectRef idx="0">
+            <a:schemeClr val="accent1"/>
+          </a:effectRef>
+          <a:fontRef idx="minor">
+            <a:schemeClr val="lt1"/>
+          </a:fontRef>
+        </p:style>
+        <p:txBody>
+          <a:bodyPr rtlCol="0" anchor="ctr"/>
+          <a:lstStyle/>
+          <a:p>
+            <a:pPr algn="ctr"/>
+            <a:endParaRPr lang="da-DK"/>
+          </a:p>
+        </p:txBody>
+      </p:sp>
+      <p:sp>
+        <p:nvSpPr>
+          <p:cNvPr id="22" name="Rectangle 21">
+            <a:extLst>
+              <a:ext uri="{FF2B5EF4-FFF2-40B4-BE49-F238E27FC236}">
+                <a16:creationId xmlns:a16="http://schemas.microsoft.com/office/drawing/2014/main" id="{FF91810E-6A9E-4CF9-52E3-2F95B362298A}"/>
+              </a:ext>
+            </a:extLst>
+          </p:cNvPr>
+          <p:cNvSpPr/>
+          <p:nvPr/>
+        </p:nvSpPr>
+        <p:spPr>
+          <a:xfrm>
+            <a:off x="5735855" y="3859819"/>
+            <a:ext cx="270499" cy="1070415"/>
+          </a:xfrm>
+          <a:prstGeom prst="rect">
+            <a:avLst/>
+          </a:prstGeom>
+          <a:solidFill>
+            <a:srgbClr val="FFC000"/>
+          </a:solidFill>
+        </p:spPr>
+        <p:style>
+          <a:lnRef idx="2">
+            <a:schemeClr val="accent1">
+              <a:shade val="15000"/>
+            </a:schemeClr>
+          </a:lnRef>
+          <a:fillRef idx="1">
+            <a:schemeClr val="accent1"/>
+          </a:fillRef>
+          <a:effectRef idx="0">
+            <a:schemeClr val="accent1"/>
+          </a:effectRef>
+          <a:fontRef idx="minor">
+            <a:schemeClr val="lt1"/>
+          </a:fontRef>
+        </p:style>
+        <p:txBody>
+          <a:bodyPr rtlCol="0" anchor="ctr"/>
+          <a:lstStyle/>
+          <a:p>
+            <a:pPr algn="ctr"/>
+            <a:endParaRPr lang="da-DK"/>
+          </a:p>
+        </p:txBody>
+      </p:sp>
+      <p:sp>
+        <p:nvSpPr>
+          <p:cNvPr id="23" name="Rectangle 22">
+            <a:extLst>
+              <a:ext uri="{FF2B5EF4-FFF2-40B4-BE49-F238E27FC236}">
+                <a16:creationId xmlns:a16="http://schemas.microsoft.com/office/drawing/2014/main" id="{E6E69D5D-7115-A22A-4185-44C26D48DC7A}"/>
+              </a:ext>
+            </a:extLst>
+          </p:cNvPr>
+          <p:cNvSpPr/>
+          <p:nvPr/>
+        </p:nvSpPr>
+        <p:spPr>
+          <a:xfrm>
+            <a:off x="6355316" y="4643010"/>
+            <a:ext cx="270499" cy="287224"/>
+          </a:xfrm>
+          <a:prstGeom prst="rect">
+            <a:avLst/>
+          </a:prstGeom>
+          <a:solidFill>
+            <a:schemeClr val="tx1"/>
+          </a:solidFill>
+        </p:spPr>
+        <p:style>
+          <a:lnRef idx="2">
+            <a:schemeClr val="accent1">
+              <a:shade val="15000"/>
+            </a:schemeClr>
+          </a:lnRef>
+          <a:fillRef idx="1">
+            <a:schemeClr val="accent1"/>
+          </a:fillRef>
+          <a:effectRef idx="0">
+            <a:schemeClr val="accent1"/>
+          </a:effectRef>
+          <a:fontRef idx="minor">
+            <a:schemeClr val="lt1"/>
+          </a:fontRef>
+        </p:style>
+        <p:txBody>
+          <a:bodyPr rtlCol="0" anchor="ctr"/>
+          <a:lstStyle/>
+          <a:p>
+            <a:pPr algn="ctr"/>
+            <a:endParaRPr lang="da-DK"/>
+          </a:p>
+        </p:txBody>
+      </p:sp>
+      <p:cxnSp>
+        <p:nvCxnSpPr>
+          <p:cNvPr id="24" name="Straight Arrow Connector 23">
+            <a:extLst>
+              <a:ext uri="{FF2B5EF4-FFF2-40B4-BE49-F238E27FC236}">
+                <a16:creationId xmlns:a16="http://schemas.microsoft.com/office/drawing/2014/main" id="{EC00DE1A-BAB8-F982-9A8B-809D7B8F5D94}"/>
+              </a:ext>
+            </a:extLst>
+          </p:cNvPr>
+          <p:cNvCxnSpPr>
+            <a:cxnSpLocks/>
+          </p:cNvCxnSpPr>
+          <p:nvPr/>
+        </p:nvCxnSpPr>
+        <p:spPr>
+          <a:xfrm>
+            <a:off x="4756673" y="5156736"/>
+            <a:ext cx="2290035" cy="0"/>
+          </a:xfrm>
+          <a:prstGeom prst="straightConnector1">
+            <a:avLst/>
+          </a:prstGeom>
+          <a:ln>
+            <a:solidFill>
+              <a:schemeClr val="bg1">
+                <a:lumMod val="65000"/>
+              </a:schemeClr>
+            </a:solidFill>
+            <a:tailEnd type="triangle"/>
+          </a:ln>
+        </p:spPr>
+        <p:style>
+          <a:lnRef idx="2">
+            <a:schemeClr val="accent1"/>
+          </a:lnRef>
+          <a:fillRef idx="0">
+            <a:schemeClr val="accent1"/>
+          </a:fillRef>
+          <a:effectRef idx="1">
+            <a:schemeClr val="accent1"/>
+          </a:effectRef>
+          <a:fontRef idx="minor">
+            <a:schemeClr val="tx1"/>
+          </a:fontRef>
+        </p:style>
+      </p:cxnSp>
+      <p:cxnSp>
+        <p:nvCxnSpPr>
+          <p:cNvPr id="25" name="Straight Arrow Connector 24">
+            <a:extLst>
+              <a:ext uri="{FF2B5EF4-FFF2-40B4-BE49-F238E27FC236}">
+                <a16:creationId xmlns:a16="http://schemas.microsoft.com/office/drawing/2014/main" id="{0314F3CA-FE63-B092-DCED-9143B77016C8}"/>
+              </a:ext>
+            </a:extLst>
+          </p:cNvPr>
+          <p:cNvCxnSpPr>
+            <a:cxnSpLocks/>
+          </p:cNvCxnSpPr>
+          <p:nvPr/>
+        </p:nvCxnSpPr>
+        <p:spPr>
+          <a:xfrm flipV="1">
+            <a:off x="4756673" y="2844464"/>
+            <a:ext cx="0" cy="2312273"/>
+          </a:xfrm>
+          <a:prstGeom prst="straightConnector1">
+            <a:avLst/>
+          </a:prstGeom>
+          <a:ln>
+            <a:solidFill>
+              <a:schemeClr val="bg1">
+                <a:lumMod val="65000"/>
+              </a:schemeClr>
+            </a:solidFill>
+            <a:tailEnd type="triangle"/>
+          </a:ln>
+        </p:spPr>
+        <p:style>
+          <a:lnRef idx="2">
+            <a:schemeClr val="accent1"/>
+          </a:lnRef>
+          <a:fillRef idx="0">
+            <a:schemeClr val="accent1"/>
+          </a:fillRef>
+          <a:effectRef idx="1">
+            <a:schemeClr val="accent1"/>
+          </a:effectRef>
+          <a:fontRef idx="minor">
+            <a:schemeClr val="tx1"/>
+          </a:fontRef>
+        </p:style>
+      </p:cxnSp>
+      <p:sp>
+        <p:nvSpPr>
+          <p:cNvPr id="26" name="Rectangle 25">
+            <a:extLst>
+              <a:ext uri="{FF2B5EF4-FFF2-40B4-BE49-F238E27FC236}">
+                <a16:creationId xmlns:a16="http://schemas.microsoft.com/office/drawing/2014/main" id="{63521BC4-B1AC-D597-9ADA-366C010D29A9}"/>
+              </a:ext>
+            </a:extLst>
+          </p:cNvPr>
+          <p:cNvSpPr/>
+          <p:nvPr/>
+        </p:nvSpPr>
+        <p:spPr>
+          <a:xfrm>
+            <a:off x="8151843" y="3267000"/>
+            <a:ext cx="270499" cy="1663234"/>
+          </a:xfrm>
+          <a:prstGeom prst="rect">
+            <a:avLst/>
+          </a:prstGeom>
+          <a:solidFill>
+            <a:schemeClr val="tx1"/>
+          </a:solidFill>
+        </p:spPr>
+        <p:style>
+          <a:lnRef idx="2">
+            <a:schemeClr val="accent1">
+              <a:shade val="15000"/>
+            </a:schemeClr>
+          </a:lnRef>
+          <a:fillRef idx="1">
+            <a:schemeClr val="accent1"/>
+          </a:fillRef>
+          <a:effectRef idx="0">
+            <a:schemeClr val="accent1"/>
+          </a:effectRef>
+          <a:fontRef idx="minor">
+            <a:schemeClr val="lt1"/>
+          </a:fontRef>
+        </p:style>
+        <p:txBody>
+          <a:bodyPr rtlCol="0" anchor="ctr"/>
+          <a:lstStyle/>
+          <a:p>
+            <a:pPr algn="ctr"/>
+            <a:endParaRPr lang="da-DK"/>
+          </a:p>
+        </p:txBody>
+      </p:sp>
+      <p:sp>
+        <p:nvSpPr>
+          <p:cNvPr id="27" name="Rectangle 26">
+            <a:extLst>
+              <a:ext uri="{FF2B5EF4-FFF2-40B4-BE49-F238E27FC236}">
+                <a16:creationId xmlns:a16="http://schemas.microsoft.com/office/drawing/2014/main" id="{4DDE8D9C-73C7-F242-1AFF-9B85E77FC216}"/>
+              </a:ext>
+            </a:extLst>
+          </p:cNvPr>
+          <p:cNvSpPr/>
+          <p:nvPr/>
+        </p:nvSpPr>
+        <p:spPr>
+          <a:xfrm>
+            <a:off x="8771304" y="3859819"/>
+            <a:ext cx="270499" cy="1070415"/>
+          </a:xfrm>
+          <a:prstGeom prst="rect">
+            <a:avLst/>
+          </a:prstGeom>
+          <a:solidFill>
+            <a:srgbClr val="FFC000"/>
+          </a:solidFill>
+        </p:spPr>
+        <p:style>
+          <a:lnRef idx="2">
+            <a:schemeClr val="accent1">
+              <a:shade val="15000"/>
+            </a:schemeClr>
+          </a:lnRef>
+          <a:fillRef idx="1">
+            <a:schemeClr val="accent1"/>
+          </a:fillRef>
+          <a:effectRef idx="0">
+            <a:schemeClr val="accent1"/>
+          </a:effectRef>
+          <a:fontRef idx="minor">
+            <a:schemeClr val="lt1"/>
+          </a:fontRef>
+        </p:style>
+        <p:txBody>
+          <a:bodyPr rtlCol="0" anchor="ctr"/>
+          <a:lstStyle/>
+          <a:p>
+            <a:pPr algn="ctr"/>
+            <a:endParaRPr lang="da-DK"/>
+          </a:p>
+        </p:txBody>
+      </p:sp>
+      <p:sp>
+        <p:nvSpPr>
+          <p:cNvPr id="28" name="Rectangle 27">
+            <a:extLst>
+              <a:ext uri="{FF2B5EF4-FFF2-40B4-BE49-F238E27FC236}">
+                <a16:creationId xmlns:a16="http://schemas.microsoft.com/office/drawing/2014/main" id="{3735243B-582A-F776-D67C-1FDAAFE24EE5}"/>
+              </a:ext>
+            </a:extLst>
+          </p:cNvPr>
+          <p:cNvSpPr/>
+          <p:nvPr/>
+        </p:nvSpPr>
+        <p:spPr>
+          <a:xfrm>
+            <a:off x="9390765" y="4643010"/>
+            <a:ext cx="270499" cy="287224"/>
+          </a:xfrm>
+          <a:prstGeom prst="rect">
+            <a:avLst/>
+          </a:prstGeom>
+          <a:solidFill>
+            <a:srgbClr val="FFC000"/>
+          </a:solidFill>
+        </p:spPr>
+        <p:style>
+          <a:lnRef idx="2">
+            <a:schemeClr val="accent1">
+              <a:shade val="15000"/>
+            </a:schemeClr>
+          </a:lnRef>
+          <a:fillRef idx="1">
+            <a:schemeClr val="accent1"/>
+          </a:fillRef>
+          <a:effectRef idx="0">
+            <a:schemeClr val="accent1"/>
+          </a:effectRef>
+          <a:fontRef idx="minor">
+            <a:schemeClr val="lt1"/>
+          </a:fontRef>
+        </p:style>
+        <p:txBody>
+          <a:bodyPr rtlCol="0" anchor="ctr"/>
+          <a:lstStyle/>
+          <a:p>
+            <a:pPr algn="ctr"/>
+            <a:endParaRPr lang="da-DK"/>
+          </a:p>
+        </p:txBody>
+      </p:sp>
+      <p:cxnSp>
+        <p:nvCxnSpPr>
+          <p:cNvPr id="29" name="Straight Arrow Connector 28">
+            <a:extLst>
+              <a:ext uri="{FF2B5EF4-FFF2-40B4-BE49-F238E27FC236}">
+                <a16:creationId xmlns:a16="http://schemas.microsoft.com/office/drawing/2014/main" id="{08F61E2F-B57B-48BA-496B-AB097BBA0376}"/>
+              </a:ext>
+            </a:extLst>
+          </p:cNvPr>
+          <p:cNvCxnSpPr>
+            <a:cxnSpLocks/>
+          </p:cNvCxnSpPr>
+          <p:nvPr/>
+        </p:nvCxnSpPr>
+        <p:spPr>
+          <a:xfrm>
+            <a:off x="7792122" y="5156736"/>
+            <a:ext cx="2290035" cy="0"/>
+          </a:xfrm>
+          <a:prstGeom prst="straightConnector1">
+            <a:avLst/>
+          </a:prstGeom>
+          <a:ln>
+            <a:solidFill>
+              <a:schemeClr val="bg1">
+                <a:lumMod val="65000"/>
+              </a:schemeClr>
+            </a:solidFill>
+            <a:tailEnd type="triangle"/>
+          </a:ln>
+        </p:spPr>
+        <p:style>
+          <a:lnRef idx="2">
+            <a:schemeClr val="accent1"/>
+          </a:lnRef>
+          <a:fillRef idx="0">
+            <a:schemeClr val="accent1"/>
+          </a:fillRef>
+          <a:effectRef idx="1">
+            <a:schemeClr val="accent1"/>
+          </a:effectRef>
+          <a:fontRef idx="minor">
+            <a:schemeClr val="tx1"/>
+          </a:fontRef>
+        </p:style>
+      </p:cxnSp>
+      <p:cxnSp>
+        <p:nvCxnSpPr>
+          <p:cNvPr id="30" name="Straight Arrow Connector 29">
+            <a:extLst>
+              <a:ext uri="{FF2B5EF4-FFF2-40B4-BE49-F238E27FC236}">
+                <a16:creationId xmlns:a16="http://schemas.microsoft.com/office/drawing/2014/main" id="{A9E54237-A320-0BC6-7D1E-3EB115217FC6}"/>
+              </a:ext>
+            </a:extLst>
+          </p:cNvPr>
+          <p:cNvCxnSpPr>
+            <a:cxnSpLocks/>
+          </p:cNvCxnSpPr>
+          <p:nvPr/>
+        </p:nvCxnSpPr>
+        <p:spPr>
+          <a:xfrm flipV="1">
+            <a:off x="7792122" y="2844464"/>
+            <a:ext cx="0" cy="2312273"/>
+          </a:xfrm>
+          <a:prstGeom prst="straightConnector1">
+            <a:avLst/>
+          </a:prstGeom>
+          <a:ln>
+            <a:solidFill>
+              <a:schemeClr val="bg1">
+                <a:lumMod val="65000"/>
+              </a:schemeClr>
+            </a:solidFill>
+            <a:tailEnd type="triangle"/>
+          </a:ln>
+        </p:spPr>
+        <p:style>
+          <a:lnRef idx="2">
+            <a:schemeClr val="accent1"/>
+          </a:lnRef>
+          <a:fillRef idx="0">
+            <a:schemeClr val="accent1"/>
+          </a:fillRef>
+          <a:effectRef idx="1">
+            <a:schemeClr val="accent1"/>
+          </a:effectRef>
+          <a:fontRef idx="minor">
+            <a:schemeClr val="tx1"/>
+          </a:fontRef>
+        </p:style>
+      </p:cxnSp>
+      <p:sp>
+        <p:nvSpPr>
+          <p:cNvPr id="31" name="TextBox 30">
+            <a:extLst>
+              <a:ext uri="{FF2B5EF4-FFF2-40B4-BE49-F238E27FC236}">
+                <a16:creationId xmlns:a16="http://schemas.microsoft.com/office/drawing/2014/main" id="{E35C89A2-D77D-8CC2-4E9A-9F1922470EA8}"/>
+              </a:ext>
+            </a:extLst>
+          </p:cNvPr>
+          <p:cNvSpPr txBox="1"/>
+          <p:nvPr/>
+        </p:nvSpPr>
+        <p:spPr>
+          <a:xfrm>
+            <a:off x="1704997" y="2076271"/>
+            <a:ext cx="2430064" cy="646331"/>
+          </a:xfrm>
+          <a:prstGeom prst="rect">
+            <a:avLst/>
+          </a:prstGeom>
+          <a:noFill/>
+        </p:spPr>
+        <p:txBody>
+          <a:bodyPr wrap="square" rtlCol="0">
+            <a:spAutoFit/>
+          </a:bodyPr>
+          <a:lstStyle/>
+          <a:p>
+            <a:r>
+              <a:rPr lang="en-US" dirty="0"/>
+              <a:t>Weed biomass response to </a:t>
+            </a:r>
+            <a:endParaRPr lang="da-DK" dirty="0"/>
+          </a:p>
+        </p:txBody>
+      </p:sp>
+      <p:sp>
+        <p:nvSpPr>
+          <p:cNvPr id="32" name="TextBox 31">
+            <a:extLst>
+              <a:ext uri="{FF2B5EF4-FFF2-40B4-BE49-F238E27FC236}">
+                <a16:creationId xmlns:a16="http://schemas.microsoft.com/office/drawing/2014/main" id="{2C839B08-5730-1F7F-6074-AC5E2339BDD6}"/>
+              </a:ext>
+            </a:extLst>
+          </p:cNvPr>
+          <p:cNvSpPr txBox="1"/>
+          <p:nvPr/>
+        </p:nvSpPr>
+        <p:spPr>
+          <a:xfrm>
+            <a:off x="4758663" y="2162895"/>
+            <a:ext cx="2621845" cy="646331"/>
+          </a:xfrm>
+          <a:prstGeom prst="rect">
+            <a:avLst/>
+          </a:prstGeom>
+          <a:noFill/>
+        </p:spPr>
+        <p:txBody>
+          <a:bodyPr wrap="square" rtlCol="0">
+            <a:spAutoFit/>
+          </a:bodyPr>
+          <a:lstStyle/>
+          <a:p>
+            <a:r>
+              <a:rPr lang="en-US" dirty="0"/>
+              <a:t>Cover cropping reduces weed biomass</a:t>
+            </a:r>
+            <a:endParaRPr lang="da-DK" dirty="0"/>
+          </a:p>
+        </p:txBody>
+      </p:sp>
+      <p:sp>
+        <p:nvSpPr>
+          <p:cNvPr id="33" name="TextBox 32">
+            <a:extLst>
+              <a:ext uri="{FF2B5EF4-FFF2-40B4-BE49-F238E27FC236}">
+                <a16:creationId xmlns:a16="http://schemas.microsoft.com/office/drawing/2014/main" id="{C3BA7494-9FD1-304C-2781-97DC34314A51}"/>
+              </a:ext>
+            </a:extLst>
+          </p:cNvPr>
+          <p:cNvSpPr txBox="1"/>
+          <p:nvPr/>
+        </p:nvSpPr>
+        <p:spPr>
+          <a:xfrm>
+            <a:off x="7792122" y="1885896"/>
+            <a:ext cx="3074449" cy="923330"/>
+          </a:xfrm>
+          <a:prstGeom prst="rect">
+            <a:avLst/>
+          </a:prstGeom>
+          <a:noFill/>
+        </p:spPr>
+        <p:txBody>
+          <a:bodyPr wrap="square" rtlCol="0">
+            <a:spAutoFit/>
+          </a:bodyPr>
+          <a:lstStyle/>
+          <a:p>
+            <a:r>
+              <a:rPr lang="en-US" dirty="0"/>
+              <a:t>Herbicides are more effective than cover crops in reducing weed biomass</a:t>
+            </a:r>
+            <a:endParaRPr lang="da-DK" dirty="0"/>
+          </a:p>
+        </p:txBody>
+      </p:sp>
+      <p:sp>
+        <p:nvSpPr>
+          <p:cNvPr id="2" name="TextBox 1">
+            <a:extLst>
+              <a:ext uri="{FF2B5EF4-FFF2-40B4-BE49-F238E27FC236}">
+                <a16:creationId xmlns:a16="http://schemas.microsoft.com/office/drawing/2014/main" id="{2477FC6C-154D-6B80-385E-E79C0F3014EF}"/>
+              </a:ext>
+            </a:extLst>
+          </p:cNvPr>
+          <p:cNvSpPr txBox="1"/>
+          <p:nvPr/>
+        </p:nvSpPr>
+        <p:spPr>
+          <a:xfrm rot="16200000">
+            <a:off x="651779" y="3778146"/>
+            <a:ext cx="1825743" cy="369332"/>
+          </a:xfrm>
+          <a:prstGeom prst="rect">
+            <a:avLst/>
+          </a:prstGeom>
+          <a:noFill/>
+        </p:spPr>
+        <p:txBody>
+          <a:bodyPr wrap="square" rtlCol="0">
+            <a:spAutoFit/>
+          </a:bodyPr>
+          <a:lstStyle/>
+          <a:p>
+            <a:r>
+              <a:rPr lang="en-US" dirty="0">
+                <a:solidFill>
+                  <a:schemeClr val="bg1">
+                    <a:lumMod val="65000"/>
+                  </a:schemeClr>
+                </a:solidFill>
+              </a:rPr>
+              <a:t>Weed biomass</a:t>
+            </a:r>
+            <a:endParaRPr lang="da-DK" dirty="0">
+              <a:solidFill>
+                <a:schemeClr val="bg1">
+                  <a:lumMod val="65000"/>
+                </a:schemeClr>
+              </a:solidFill>
+            </a:endParaRPr>
+          </a:p>
+        </p:txBody>
+      </p:sp>
+      <p:sp>
+        <p:nvSpPr>
+          <p:cNvPr id="3" name="TextBox 2">
+            <a:extLst>
+              <a:ext uri="{FF2B5EF4-FFF2-40B4-BE49-F238E27FC236}">
+                <a16:creationId xmlns:a16="http://schemas.microsoft.com/office/drawing/2014/main" id="{2A7E4C11-9C94-226D-97BE-FB986A87F452}"/>
+              </a:ext>
+            </a:extLst>
+          </p:cNvPr>
+          <p:cNvSpPr txBox="1"/>
+          <p:nvPr/>
+        </p:nvSpPr>
+        <p:spPr>
+          <a:xfrm rot="19260925">
+            <a:off x="728004" y="5639327"/>
+            <a:ext cx="1825743" cy="369332"/>
+          </a:xfrm>
+          <a:prstGeom prst="rect">
+            <a:avLst/>
+          </a:prstGeom>
+          <a:noFill/>
+        </p:spPr>
+        <p:txBody>
+          <a:bodyPr wrap="square" rtlCol="0">
+            <a:spAutoFit/>
+          </a:bodyPr>
+          <a:lstStyle/>
+          <a:p>
+            <a:pPr algn="r"/>
+            <a:r>
+              <a:rPr lang="en-US" dirty="0">
+                <a:solidFill>
+                  <a:schemeClr val="bg1">
+                    <a:lumMod val="65000"/>
+                  </a:schemeClr>
+                </a:solidFill>
+              </a:rPr>
+              <a:t>No weed control</a:t>
+            </a:r>
+            <a:endParaRPr lang="da-DK" dirty="0">
+              <a:solidFill>
+                <a:schemeClr val="bg1">
+                  <a:lumMod val="65000"/>
+                </a:schemeClr>
+              </a:solidFill>
+            </a:endParaRPr>
+          </a:p>
+        </p:txBody>
+      </p:sp>
+      <p:sp>
+        <p:nvSpPr>
+          <p:cNvPr id="6" name="TextBox 5">
+            <a:extLst>
+              <a:ext uri="{FF2B5EF4-FFF2-40B4-BE49-F238E27FC236}">
+                <a16:creationId xmlns:a16="http://schemas.microsoft.com/office/drawing/2014/main" id="{41FE682C-D74F-396B-F15E-13DACBDC76D7}"/>
+              </a:ext>
+            </a:extLst>
+          </p:cNvPr>
+          <p:cNvSpPr txBox="1"/>
+          <p:nvPr/>
+        </p:nvSpPr>
+        <p:spPr>
+          <a:xfrm rot="19260925">
+            <a:off x="1344823" y="5639326"/>
+            <a:ext cx="1825743" cy="369332"/>
+          </a:xfrm>
+          <a:prstGeom prst="rect">
+            <a:avLst/>
+          </a:prstGeom>
+          <a:noFill/>
+        </p:spPr>
+        <p:txBody>
+          <a:bodyPr wrap="square" rtlCol="0">
+            <a:spAutoFit/>
+          </a:bodyPr>
+          <a:lstStyle/>
+          <a:p>
+            <a:pPr algn="r"/>
+            <a:r>
+              <a:rPr lang="en-US" dirty="0">
+                <a:solidFill>
+                  <a:schemeClr val="bg1">
+                    <a:lumMod val="65000"/>
+                  </a:schemeClr>
+                </a:solidFill>
+              </a:rPr>
+              <a:t>Cover cropping</a:t>
+            </a:r>
+            <a:endParaRPr lang="da-DK" dirty="0">
+              <a:solidFill>
+                <a:schemeClr val="bg1">
+                  <a:lumMod val="65000"/>
+                </a:schemeClr>
+              </a:solidFill>
+            </a:endParaRPr>
+          </a:p>
+        </p:txBody>
+      </p:sp>
+      <p:sp>
+        <p:nvSpPr>
+          <p:cNvPr id="8" name="TextBox 7">
+            <a:extLst>
+              <a:ext uri="{FF2B5EF4-FFF2-40B4-BE49-F238E27FC236}">
+                <a16:creationId xmlns:a16="http://schemas.microsoft.com/office/drawing/2014/main" id="{B2E4DA41-2B37-2B6F-E66A-FD8D712BAA27}"/>
+              </a:ext>
+            </a:extLst>
+          </p:cNvPr>
+          <p:cNvSpPr txBox="1"/>
+          <p:nvPr/>
+        </p:nvSpPr>
+        <p:spPr>
+          <a:xfrm rot="19260925">
+            <a:off x="1975560" y="5595916"/>
+            <a:ext cx="1825743" cy="369332"/>
+          </a:xfrm>
+          <a:prstGeom prst="rect">
+            <a:avLst/>
+          </a:prstGeom>
+          <a:noFill/>
+        </p:spPr>
+        <p:txBody>
+          <a:bodyPr wrap="square" rtlCol="0">
+            <a:spAutoFit/>
+          </a:bodyPr>
+          <a:lstStyle/>
+          <a:p>
+            <a:pPr algn="r"/>
+            <a:r>
+              <a:rPr lang="en-US" dirty="0">
+                <a:solidFill>
+                  <a:schemeClr val="bg1">
+                    <a:lumMod val="65000"/>
+                  </a:schemeClr>
+                </a:solidFill>
+              </a:rPr>
+              <a:t>Herbicide</a:t>
+            </a:r>
+            <a:endParaRPr lang="da-DK" dirty="0">
+              <a:solidFill>
+                <a:schemeClr val="bg1">
+                  <a:lumMod val="65000"/>
+                </a:schemeClr>
+              </a:solidFill>
+            </a:endParaRPr>
+          </a:p>
+        </p:txBody>
+      </p:sp>
+      <p:sp>
+        <p:nvSpPr>
+          <p:cNvPr id="11" name="TextBox 10">
+            <a:extLst>
+              <a:ext uri="{FF2B5EF4-FFF2-40B4-BE49-F238E27FC236}">
+                <a16:creationId xmlns:a16="http://schemas.microsoft.com/office/drawing/2014/main" id="{1D8C02A3-B2FD-F5D7-2647-C6AFBC72D4EE}"/>
+              </a:ext>
+            </a:extLst>
+          </p:cNvPr>
+          <p:cNvSpPr txBox="1"/>
+          <p:nvPr/>
+        </p:nvSpPr>
+        <p:spPr>
+          <a:xfrm rot="19260925">
+            <a:off x="3675926" y="5704509"/>
+            <a:ext cx="1825743" cy="369332"/>
+          </a:xfrm>
+          <a:prstGeom prst="rect">
+            <a:avLst/>
+          </a:prstGeom>
+          <a:noFill/>
+        </p:spPr>
+        <p:txBody>
+          <a:bodyPr wrap="square" rtlCol="0">
+            <a:spAutoFit/>
+          </a:bodyPr>
+          <a:lstStyle/>
+          <a:p>
+            <a:pPr algn="r"/>
+            <a:r>
+              <a:rPr lang="en-US" dirty="0">
+                <a:solidFill>
+                  <a:schemeClr val="bg1">
+                    <a:lumMod val="65000"/>
+                  </a:schemeClr>
+                </a:solidFill>
+              </a:rPr>
+              <a:t>No weed control</a:t>
+            </a:r>
+            <a:endParaRPr lang="da-DK" dirty="0">
+              <a:solidFill>
+                <a:schemeClr val="bg1">
+                  <a:lumMod val="65000"/>
+                </a:schemeClr>
+              </a:solidFill>
+            </a:endParaRPr>
+          </a:p>
+        </p:txBody>
+      </p:sp>
+      <p:sp>
+        <p:nvSpPr>
+          <p:cNvPr id="12" name="TextBox 11">
+            <a:extLst>
+              <a:ext uri="{FF2B5EF4-FFF2-40B4-BE49-F238E27FC236}">
+                <a16:creationId xmlns:a16="http://schemas.microsoft.com/office/drawing/2014/main" id="{6FC20901-34AA-C492-FC2D-AAE2FD6D81D4}"/>
+              </a:ext>
+            </a:extLst>
+          </p:cNvPr>
+          <p:cNvSpPr txBox="1"/>
+          <p:nvPr/>
+        </p:nvSpPr>
+        <p:spPr>
+          <a:xfrm rot="19260925">
+            <a:off x="4292745" y="5704508"/>
+            <a:ext cx="1825743" cy="369332"/>
+          </a:xfrm>
+          <a:prstGeom prst="rect">
+            <a:avLst/>
+          </a:prstGeom>
+          <a:noFill/>
+        </p:spPr>
+        <p:txBody>
+          <a:bodyPr wrap="square" rtlCol="0">
+            <a:spAutoFit/>
+          </a:bodyPr>
+          <a:lstStyle/>
+          <a:p>
+            <a:pPr algn="r"/>
+            <a:r>
+              <a:rPr lang="en-US" dirty="0">
+                <a:solidFill>
+                  <a:schemeClr val="bg1">
+                    <a:lumMod val="65000"/>
+                  </a:schemeClr>
+                </a:solidFill>
+              </a:rPr>
+              <a:t>Cover cropping</a:t>
+            </a:r>
+            <a:endParaRPr lang="da-DK" dirty="0">
+              <a:solidFill>
+                <a:schemeClr val="bg1">
+                  <a:lumMod val="65000"/>
+                </a:schemeClr>
+              </a:solidFill>
+            </a:endParaRPr>
+          </a:p>
+        </p:txBody>
+      </p:sp>
+      <p:sp>
+        <p:nvSpPr>
+          <p:cNvPr id="13" name="TextBox 12">
+            <a:extLst>
+              <a:ext uri="{FF2B5EF4-FFF2-40B4-BE49-F238E27FC236}">
+                <a16:creationId xmlns:a16="http://schemas.microsoft.com/office/drawing/2014/main" id="{15B88840-F65B-F2B7-E8D7-7396C93B65CF}"/>
+              </a:ext>
+            </a:extLst>
+          </p:cNvPr>
+          <p:cNvSpPr txBox="1"/>
+          <p:nvPr/>
+        </p:nvSpPr>
+        <p:spPr>
+          <a:xfrm rot="19260925">
+            <a:off x="4923482" y="5661098"/>
+            <a:ext cx="1825743" cy="369332"/>
+          </a:xfrm>
+          <a:prstGeom prst="rect">
+            <a:avLst/>
+          </a:prstGeom>
+          <a:noFill/>
+        </p:spPr>
+        <p:txBody>
+          <a:bodyPr wrap="square" rtlCol="0">
+            <a:spAutoFit/>
+          </a:bodyPr>
+          <a:lstStyle/>
+          <a:p>
+            <a:pPr algn="r"/>
+            <a:r>
+              <a:rPr lang="en-US" dirty="0">
+                <a:solidFill>
+                  <a:schemeClr val="bg1">
+                    <a:lumMod val="65000"/>
+                  </a:schemeClr>
+                </a:solidFill>
+              </a:rPr>
+              <a:t>Herbicide</a:t>
+            </a:r>
+            <a:endParaRPr lang="da-DK" dirty="0">
+              <a:solidFill>
+                <a:schemeClr val="bg1">
+                  <a:lumMod val="65000"/>
+                </a:schemeClr>
+              </a:solidFill>
+            </a:endParaRPr>
+          </a:p>
+        </p:txBody>
+      </p:sp>
+      <p:sp>
+        <p:nvSpPr>
+          <p:cNvPr id="14" name="TextBox 13">
+            <a:extLst>
+              <a:ext uri="{FF2B5EF4-FFF2-40B4-BE49-F238E27FC236}">
+                <a16:creationId xmlns:a16="http://schemas.microsoft.com/office/drawing/2014/main" id="{FE5E2EB4-DFB9-7471-A87A-10631D1C75BB}"/>
+              </a:ext>
+            </a:extLst>
+          </p:cNvPr>
+          <p:cNvSpPr txBox="1"/>
+          <p:nvPr/>
+        </p:nvSpPr>
+        <p:spPr>
+          <a:xfrm rot="19260925">
+            <a:off x="6778351" y="5660965"/>
+            <a:ext cx="1825743" cy="369332"/>
+          </a:xfrm>
+          <a:prstGeom prst="rect">
+            <a:avLst/>
+          </a:prstGeom>
+          <a:noFill/>
+        </p:spPr>
+        <p:txBody>
+          <a:bodyPr wrap="square" rtlCol="0">
+            <a:spAutoFit/>
+          </a:bodyPr>
+          <a:lstStyle/>
+          <a:p>
+            <a:pPr algn="r"/>
+            <a:r>
+              <a:rPr lang="en-US" dirty="0">
+                <a:solidFill>
+                  <a:schemeClr val="bg1">
+                    <a:lumMod val="65000"/>
+                  </a:schemeClr>
+                </a:solidFill>
+              </a:rPr>
+              <a:t>No weed control</a:t>
+            </a:r>
+            <a:endParaRPr lang="da-DK" dirty="0">
+              <a:solidFill>
+                <a:schemeClr val="bg1">
+                  <a:lumMod val="65000"/>
+                </a:schemeClr>
+              </a:solidFill>
+            </a:endParaRPr>
+          </a:p>
+        </p:txBody>
+      </p:sp>
+      <p:sp>
+        <p:nvSpPr>
+          <p:cNvPr id="15" name="TextBox 14">
+            <a:extLst>
+              <a:ext uri="{FF2B5EF4-FFF2-40B4-BE49-F238E27FC236}">
+                <a16:creationId xmlns:a16="http://schemas.microsoft.com/office/drawing/2014/main" id="{EA1C9DEC-3325-B8A0-7E68-3DA0C23B0230}"/>
+              </a:ext>
+            </a:extLst>
+          </p:cNvPr>
+          <p:cNvSpPr txBox="1"/>
+          <p:nvPr/>
+        </p:nvSpPr>
+        <p:spPr>
+          <a:xfrm rot="19260925">
+            <a:off x="7395170" y="5660964"/>
+            <a:ext cx="1825743" cy="369332"/>
+          </a:xfrm>
+          <a:prstGeom prst="rect">
+            <a:avLst/>
+          </a:prstGeom>
+          <a:noFill/>
+        </p:spPr>
+        <p:txBody>
+          <a:bodyPr wrap="square" rtlCol="0">
+            <a:spAutoFit/>
+          </a:bodyPr>
+          <a:lstStyle/>
+          <a:p>
+            <a:pPr algn="r"/>
+            <a:r>
+              <a:rPr lang="en-US" dirty="0">
+                <a:solidFill>
+                  <a:schemeClr val="bg1">
+                    <a:lumMod val="65000"/>
+                  </a:schemeClr>
+                </a:solidFill>
+              </a:rPr>
+              <a:t>Cover cropping</a:t>
+            </a:r>
+            <a:endParaRPr lang="da-DK" dirty="0">
+              <a:solidFill>
+                <a:schemeClr val="bg1">
+                  <a:lumMod val="65000"/>
+                </a:schemeClr>
+              </a:solidFill>
+            </a:endParaRPr>
+          </a:p>
+        </p:txBody>
+      </p:sp>
+      <p:sp>
+        <p:nvSpPr>
+          <p:cNvPr id="16" name="TextBox 15">
+            <a:extLst>
+              <a:ext uri="{FF2B5EF4-FFF2-40B4-BE49-F238E27FC236}">
+                <a16:creationId xmlns:a16="http://schemas.microsoft.com/office/drawing/2014/main" id="{D5C66D62-6FEC-4B19-BCFA-133CFCD3A6C5}"/>
+              </a:ext>
+            </a:extLst>
+          </p:cNvPr>
+          <p:cNvSpPr txBox="1"/>
+          <p:nvPr/>
+        </p:nvSpPr>
+        <p:spPr>
+          <a:xfrm rot="19260925">
+            <a:off x="8025907" y="5617554"/>
+            <a:ext cx="1825743" cy="369332"/>
+          </a:xfrm>
+          <a:prstGeom prst="rect">
+            <a:avLst/>
+          </a:prstGeom>
+          <a:noFill/>
+        </p:spPr>
+        <p:txBody>
+          <a:bodyPr wrap="square" rtlCol="0">
+            <a:spAutoFit/>
+          </a:bodyPr>
+          <a:lstStyle/>
+          <a:p>
+            <a:pPr algn="r"/>
+            <a:r>
+              <a:rPr lang="en-US" dirty="0">
+                <a:solidFill>
+                  <a:schemeClr val="bg1">
+                    <a:lumMod val="65000"/>
+                  </a:schemeClr>
+                </a:solidFill>
+              </a:rPr>
+              <a:t>Herbicide</a:t>
+            </a:r>
+            <a:endParaRPr lang="da-DK" dirty="0">
+              <a:solidFill>
+                <a:schemeClr val="bg1">
+                  <a:lumMod val="65000"/>
+                </a:schemeClr>
+              </a:solidFill>
+            </a:endParaRPr>
+          </a:p>
+        </p:txBody>
+      </p:sp>
+      <p:sp>
+        <p:nvSpPr>
+          <p:cNvPr id="17" name="TextBox 16">
+            <a:extLst>
+              <a:ext uri="{FF2B5EF4-FFF2-40B4-BE49-F238E27FC236}">
+                <a16:creationId xmlns:a16="http://schemas.microsoft.com/office/drawing/2014/main" id="{68A583F7-9B67-1C03-3AFD-158620659CAB}"/>
+              </a:ext>
+            </a:extLst>
+          </p:cNvPr>
+          <p:cNvSpPr txBox="1"/>
+          <p:nvPr/>
+        </p:nvSpPr>
+        <p:spPr>
+          <a:xfrm rot="16200000">
+            <a:off x="3611897" y="3666542"/>
+            <a:ext cx="1825743" cy="369332"/>
+          </a:xfrm>
+          <a:prstGeom prst="rect">
+            <a:avLst/>
+          </a:prstGeom>
+          <a:noFill/>
+        </p:spPr>
+        <p:txBody>
+          <a:bodyPr wrap="square" rtlCol="0">
+            <a:spAutoFit/>
+          </a:bodyPr>
+          <a:lstStyle/>
+          <a:p>
+            <a:r>
+              <a:rPr lang="en-US" dirty="0">
+                <a:solidFill>
+                  <a:schemeClr val="bg1">
+                    <a:lumMod val="65000"/>
+                  </a:schemeClr>
+                </a:solidFill>
+              </a:rPr>
+              <a:t>Weed biomass</a:t>
+            </a:r>
+            <a:endParaRPr lang="da-DK" dirty="0">
+              <a:solidFill>
+                <a:schemeClr val="bg1">
+                  <a:lumMod val="65000"/>
+                </a:schemeClr>
+              </a:solidFill>
+            </a:endParaRPr>
+          </a:p>
+        </p:txBody>
+      </p:sp>
+      <p:sp>
+        <p:nvSpPr>
+          <p:cNvPr id="18" name="TextBox 17">
+            <a:extLst>
+              <a:ext uri="{FF2B5EF4-FFF2-40B4-BE49-F238E27FC236}">
+                <a16:creationId xmlns:a16="http://schemas.microsoft.com/office/drawing/2014/main" id="{168F09DB-E056-6969-FD3B-68DE3E0BE3E8}"/>
+              </a:ext>
+            </a:extLst>
+          </p:cNvPr>
+          <p:cNvSpPr txBox="1"/>
+          <p:nvPr/>
+        </p:nvSpPr>
+        <p:spPr>
+          <a:xfrm rot="16200000">
+            <a:off x="6639608" y="3571673"/>
+            <a:ext cx="1825743" cy="369332"/>
+          </a:xfrm>
+          <a:prstGeom prst="rect">
+            <a:avLst/>
+          </a:prstGeom>
+          <a:noFill/>
+        </p:spPr>
+        <p:txBody>
+          <a:bodyPr wrap="square" rtlCol="0">
+            <a:spAutoFit/>
+          </a:bodyPr>
+          <a:lstStyle/>
+          <a:p>
+            <a:r>
+              <a:rPr lang="en-US" dirty="0">
+                <a:solidFill>
+                  <a:schemeClr val="bg1">
+                    <a:lumMod val="65000"/>
+                  </a:schemeClr>
+                </a:solidFill>
+              </a:rPr>
+              <a:t>Weed biomass</a:t>
+            </a:r>
+            <a:endParaRPr lang="da-DK" dirty="0">
+              <a:solidFill>
+                <a:schemeClr val="bg1">
+                  <a:lumMod val="65000"/>
+                </a:schemeClr>
+              </a:solidFill>
+            </a:endParaRPr>
+          </a:p>
+        </p:txBody>
+      </p:sp>
+    </p:spTree>
+    <p:extLst>
+      <p:ext uri="{BB962C8B-B14F-4D97-AF65-F5344CB8AC3E}">
+        <p14:creationId xmlns:p14="http://schemas.microsoft.com/office/powerpoint/2010/main" val="999744380"/>
       </p:ext>
     </p:extLst>
   </p:cSld>
